--- a/Yu Feng CRC-fungi-Re1 (JY)/S_fig7-Re1 (JY)-Re (YF).pptx
+++ b/Yu Feng CRC-fungi-Re1 (JY)/S_fig7-Re1 (JY)-Re (YF).pptx
@@ -218,7 +218,7 @@
           <a:p>
             <a:fld id="{AA548A79-DF5C-42BC-A964-9ADB8699366B}" type="datetimeFigureOut">
               <a:rPr lang="zh-CN" altLang="en-US" smtClean="0"/>
-              <a:t>2021/10/26</a:t>
+              <a:t>2021/11/2</a:t>
             </a:fld>
             <a:endParaRPr lang="zh-CN" altLang="en-US"/>
           </a:p>
@@ -706,7 +706,7 @@
           <a:p>
             <a:fld id="{C21F6666-3EDE-4E8B-BC82-F371B9B084D1}" type="datetimeFigureOut">
               <a:rPr lang="zh-CN" altLang="en-US" smtClean="0"/>
-              <a:t>2021/10/26</a:t>
+              <a:t>2021/11/2</a:t>
             </a:fld>
             <a:endParaRPr lang="zh-CN" altLang="en-US"/>
           </a:p>
@@ -876,7 +876,7 @@
           <a:p>
             <a:fld id="{C21F6666-3EDE-4E8B-BC82-F371B9B084D1}" type="datetimeFigureOut">
               <a:rPr lang="zh-CN" altLang="en-US" smtClean="0"/>
-              <a:t>2021/10/26</a:t>
+              <a:t>2021/11/2</a:t>
             </a:fld>
             <a:endParaRPr lang="zh-CN" altLang="en-US"/>
           </a:p>
@@ -1056,7 +1056,7 @@
           <a:p>
             <a:fld id="{C21F6666-3EDE-4E8B-BC82-F371B9B084D1}" type="datetimeFigureOut">
               <a:rPr lang="zh-CN" altLang="en-US" smtClean="0"/>
-              <a:t>2021/10/26</a:t>
+              <a:t>2021/11/2</a:t>
             </a:fld>
             <a:endParaRPr lang="zh-CN" altLang="en-US"/>
           </a:p>
@@ -1226,7 +1226,7 @@
           <a:p>
             <a:fld id="{C21F6666-3EDE-4E8B-BC82-F371B9B084D1}" type="datetimeFigureOut">
               <a:rPr lang="zh-CN" altLang="en-US" smtClean="0"/>
-              <a:t>2021/10/26</a:t>
+              <a:t>2021/11/2</a:t>
             </a:fld>
             <a:endParaRPr lang="zh-CN" altLang="en-US"/>
           </a:p>
@@ -1470,7 +1470,7 @@
           <a:p>
             <a:fld id="{C21F6666-3EDE-4E8B-BC82-F371B9B084D1}" type="datetimeFigureOut">
               <a:rPr lang="zh-CN" altLang="en-US" smtClean="0"/>
-              <a:t>2021/10/26</a:t>
+              <a:t>2021/11/2</a:t>
             </a:fld>
             <a:endParaRPr lang="zh-CN" altLang="en-US"/>
           </a:p>
@@ -1702,7 +1702,7 @@
           <a:p>
             <a:fld id="{C21F6666-3EDE-4E8B-BC82-F371B9B084D1}" type="datetimeFigureOut">
               <a:rPr lang="zh-CN" altLang="en-US" smtClean="0"/>
-              <a:t>2021/10/26</a:t>
+              <a:t>2021/11/2</a:t>
             </a:fld>
             <a:endParaRPr lang="zh-CN" altLang="en-US"/>
           </a:p>
@@ -2069,7 +2069,7 @@
           <a:p>
             <a:fld id="{C21F6666-3EDE-4E8B-BC82-F371B9B084D1}" type="datetimeFigureOut">
               <a:rPr lang="zh-CN" altLang="en-US" smtClean="0"/>
-              <a:t>2021/10/26</a:t>
+              <a:t>2021/11/2</a:t>
             </a:fld>
             <a:endParaRPr lang="zh-CN" altLang="en-US"/>
           </a:p>
@@ -2187,7 +2187,7 @@
           <a:p>
             <a:fld id="{C21F6666-3EDE-4E8B-BC82-F371B9B084D1}" type="datetimeFigureOut">
               <a:rPr lang="zh-CN" altLang="en-US" smtClean="0"/>
-              <a:t>2021/10/26</a:t>
+              <a:t>2021/11/2</a:t>
             </a:fld>
             <a:endParaRPr lang="zh-CN" altLang="en-US"/>
           </a:p>
@@ -2282,7 +2282,7 @@
           <a:p>
             <a:fld id="{C21F6666-3EDE-4E8B-BC82-F371B9B084D1}" type="datetimeFigureOut">
               <a:rPr lang="zh-CN" altLang="en-US" smtClean="0"/>
-              <a:t>2021/10/26</a:t>
+              <a:t>2021/11/2</a:t>
             </a:fld>
             <a:endParaRPr lang="zh-CN" altLang="en-US"/>
           </a:p>
@@ -2559,7 +2559,7 @@
           <a:p>
             <a:fld id="{C21F6666-3EDE-4E8B-BC82-F371B9B084D1}" type="datetimeFigureOut">
               <a:rPr lang="zh-CN" altLang="en-US" smtClean="0"/>
-              <a:t>2021/10/26</a:t>
+              <a:t>2021/11/2</a:t>
             </a:fld>
             <a:endParaRPr lang="zh-CN" altLang="en-US"/>
           </a:p>
@@ -2816,7 +2816,7 @@
           <a:p>
             <a:fld id="{C21F6666-3EDE-4E8B-BC82-F371B9B084D1}" type="datetimeFigureOut">
               <a:rPr lang="zh-CN" altLang="en-US" smtClean="0"/>
-              <a:t>2021/10/26</a:t>
+              <a:t>2021/11/2</a:t>
             </a:fld>
             <a:endParaRPr lang="zh-CN" altLang="en-US"/>
           </a:p>
@@ -3029,7 +3029,7 @@
           <a:p>
             <a:fld id="{C21F6666-3EDE-4E8B-BC82-F371B9B084D1}" type="datetimeFigureOut">
               <a:rPr lang="zh-CN" altLang="en-US" smtClean="0"/>
-              <a:t>2021/10/26</a:t>
+              <a:t>2021/11/2</a:t>
             </a:fld>
             <a:endParaRPr lang="zh-CN" altLang="en-US"/>
           </a:p>
@@ -3592,8 +3592,8 @@
         </p:nvSpPr>
         <p:spPr>
           <a:xfrm>
-            <a:off x="186880" y="6835430"/>
-            <a:ext cx="1415452" cy="338554"/>
+            <a:off x="186880" y="6696816"/>
+            <a:ext cx="9465701" cy="1477328"/>
           </a:xfrm>
           <a:prstGeom prst="rect">
             <a:avLst/>
@@ -3607,14 +3607,42 @@
           <a:lstStyle/>
           <a:p>
             <a:r>
-              <a:rPr lang="en-US" sz="1600" b="1" dirty="0"/>
-              <a:t>S </a:t>
-            </a:r>
-            <a:r>
-              <a:rPr lang="en-US" sz="1600" b="1"/>
-              <a:t>figure 5  </a:t>
-            </a:r>
-            <a:endParaRPr lang="en-HK" sz="1600" b="1" dirty="0"/>
+              <a:rPr lang="en-US" b="1" dirty="0"/>
+              <a:t>S figure 7 </a:t>
+            </a:r>
+            <a:r>
+              <a:rPr lang="en-US" altLang="zh-CN" b="1" dirty="0">
+                <a:effectLst/>
+                <a:latin typeface="Times New Roman" panose="02020603050405020304" pitchFamily="18" charset="0"/>
+                <a:ea typeface="Times New Roman" panose="02020603050405020304" pitchFamily="18" charset="0"/>
+              </a:rPr>
+              <a:t>Feature ranking and performance of pure CRC-diagnosis models across 8 cohorts. (a) </a:t>
+            </a:r>
+            <a:r>
+              <a:rPr lang="en-US" altLang="zh-CN" dirty="0">
+                <a:effectLst/>
+                <a:latin typeface="Times New Roman" panose="02020603050405020304" pitchFamily="18" charset="0"/>
+                <a:ea typeface="Times New Roman" panose="02020603050405020304" pitchFamily="18" charset="0"/>
+              </a:rPr>
+              <a:t>Top panel: The importance of each fungi for the cross-validation prediction performance in each cohort estimated using the internal random forest scores. Only fungi appearing in the three top-ranking features in at least one dataset were reported. Bottom panel: AUC performance of CRC-diagnosis models across 8 cohorts. </a:t>
+            </a:r>
+            <a:r>
+              <a:rPr lang="en-US" altLang="zh-CN" b="1" dirty="0">
+                <a:effectLst/>
+                <a:latin typeface="Times New Roman" panose="02020603050405020304" pitchFamily="18" charset="0"/>
+                <a:ea typeface="Times New Roman" panose="02020603050405020304" pitchFamily="18" charset="0"/>
+              </a:rPr>
+              <a:t>(b) </a:t>
+            </a:r>
+            <a:r>
+              <a:rPr lang="en-US" altLang="zh-CN" dirty="0">
+                <a:effectLst/>
+                <a:latin typeface="Times New Roman" panose="02020603050405020304" pitchFamily="18" charset="0"/>
+                <a:ea typeface="Times New Roman" panose="02020603050405020304" pitchFamily="18" charset="0"/>
+              </a:rPr>
+              <a:t>Same as above, but the candidate became the bacteria.</a:t>
+            </a:r>
+            <a:endParaRPr lang="en-HK" b="1" dirty="0"/>
           </a:p>
         </p:txBody>
       </p:sp>
